--- a/Brainstorming/Zwischenpräsentation/Zwischenpräsentation_v1.pptx
+++ b/Brainstorming/Zwischenpräsentation/Zwischenpräsentation_v1.pptx
@@ -14,11 +14,12 @@
     <p:sldId id="278" r:id="rId8"/>
     <p:sldId id="279" r:id="rId9"/>
     <p:sldId id="280" r:id="rId10"/>
-    <p:sldId id="260" r:id="rId11"/>
-    <p:sldId id="262" r:id="rId12"/>
-    <p:sldId id="263" r:id="rId13"/>
-    <p:sldId id="265" r:id="rId14"/>
-    <p:sldId id="266" r:id="rId15"/>
+    <p:sldId id="281" r:id="rId11"/>
+    <p:sldId id="260" r:id="rId12"/>
+    <p:sldId id="262" r:id="rId13"/>
+    <p:sldId id="263" r:id="rId14"/>
+    <p:sldId id="265" r:id="rId15"/>
+    <p:sldId id="266" r:id="rId16"/>
   </p:sldIdLst>
   <p:sldSz cx="12192000" cy="6858000"/>
   <p:notesSz cx="6858000" cy="9144000"/>
@@ -272,7 +273,7 @@
           <a:p>
             <a:fld id="{24884690-A043-4FCB-87D3-F17411ACC32B}" type="datetimeFigureOut">
               <a:rPr lang="de-DE" smtClean="0"/>
-              <a:t>24.11.2023</a:t>
+              <a:t>16.12.2023</a:t>
             </a:fld>
             <a:endParaRPr lang="de-DE"/>
           </a:p>
@@ -326,7 +327,7 @@
           <a:p>
             <a:fld id="{DE761232-3D0D-4A23-A9E3-8D8407EC4F9D}" type="slidenum">
               <a:rPr lang="de-DE" smtClean="0"/>
-              <a:t>‹Nr.›</a:t>
+              <a:t>‹#›</a:t>
             </a:fld>
             <a:endParaRPr lang="de-DE"/>
           </a:p>
@@ -470,7 +471,7 @@
           <a:p>
             <a:fld id="{24884690-A043-4FCB-87D3-F17411ACC32B}" type="datetimeFigureOut">
               <a:rPr lang="de-DE" smtClean="0"/>
-              <a:t>24.11.2023</a:t>
+              <a:t>16.12.2023</a:t>
             </a:fld>
             <a:endParaRPr lang="de-DE"/>
           </a:p>
@@ -524,7 +525,7 @@
           <a:p>
             <a:fld id="{DE761232-3D0D-4A23-A9E3-8D8407EC4F9D}" type="slidenum">
               <a:rPr lang="de-DE" smtClean="0"/>
-              <a:t>‹Nr.›</a:t>
+              <a:t>‹#›</a:t>
             </a:fld>
             <a:endParaRPr lang="de-DE"/>
           </a:p>
@@ -678,7 +679,7 @@
           <a:p>
             <a:fld id="{24884690-A043-4FCB-87D3-F17411ACC32B}" type="datetimeFigureOut">
               <a:rPr lang="de-DE" smtClean="0"/>
-              <a:t>24.11.2023</a:t>
+              <a:t>16.12.2023</a:t>
             </a:fld>
             <a:endParaRPr lang="de-DE"/>
           </a:p>
@@ -732,7 +733,7 @@
           <a:p>
             <a:fld id="{DE761232-3D0D-4A23-A9E3-8D8407EC4F9D}" type="slidenum">
               <a:rPr lang="de-DE" smtClean="0"/>
-              <a:t>‹Nr.›</a:t>
+              <a:t>‹#›</a:t>
             </a:fld>
             <a:endParaRPr lang="de-DE"/>
           </a:p>
@@ -1031,7 +1032,7 @@
             <a:fld id="{629E1D32-139B-4C55-A3C3-B5F4791988C6}" type="slidenum">
               <a:rPr lang="de-DE" smtClean="0"/>
               <a:pPr/>
-              <a:t>‹Nr.›</a:t>
+              <a:t>‹#›</a:t>
             </a:fld>
             <a:endParaRPr lang="de-DE" dirty="0"/>
           </a:p>
@@ -1266,7 +1267,7 @@
           <a:p>
             <a:fld id="{24884690-A043-4FCB-87D3-F17411ACC32B}" type="datetimeFigureOut">
               <a:rPr lang="de-DE" smtClean="0"/>
-              <a:t>24.11.2023</a:t>
+              <a:t>16.12.2023</a:t>
             </a:fld>
             <a:endParaRPr lang="de-DE"/>
           </a:p>
@@ -1320,7 +1321,7 @@
           <a:p>
             <a:fld id="{DE761232-3D0D-4A23-A9E3-8D8407EC4F9D}" type="slidenum">
               <a:rPr lang="de-DE" smtClean="0"/>
-              <a:t>‹Nr.›</a:t>
+              <a:t>‹#›</a:t>
             </a:fld>
             <a:endParaRPr lang="de-DE"/>
           </a:p>
@@ -1541,7 +1542,7 @@
           <a:p>
             <a:fld id="{24884690-A043-4FCB-87D3-F17411ACC32B}" type="datetimeFigureOut">
               <a:rPr lang="de-DE" smtClean="0"/>
-              <a:t>24.11.2023</a:t>
+              <a:t>16.12.2023</a:t>
             </a:fld>
             <a:endParaRPr lang="de-DE"/>
           </a:p>
@@ -1595,7 +1596,7 @@
           <a:p>
             <a:fld id="{DE761232-3D0D-4A23-A9E3-8D8407EC4F9D}" type="slidenum">
               <a:rPr lang="de-DE" smtClean="0"/>
-              <a:t>‹Nr.›</a:t>
+              <a:t>‹#›</a:t>
             </a:fld>
             <a:endParaRPr lang="de-DE"/>
           </a:p>
@@ -1806,7 +1807,7 @@
           <a:p>
             <a:fld id="{24884690-A043-4FCB-87D3-F17411ACC32B}" type="datetimeFigureOut">
               <a:rPr lang="de-DE" smtClean="0"/>
-              <a:t>24.11.2023</a:t>
+              <a:t>16.12.2023</a:t>
             </a:fld>
             <a:endParaRPr lang="de-DE"/>
           </a:p>
@@ -1860,7 +1861,7 @@
           <a:p>
             <a:fld id="{DE761232-3D0D-4A23-A9E3-8D8407EC4F9D}" type="slidenum">
               <a:rPr lang="de-DE" smtClean="0"/>
-              <a:t>‹Nr.›</a:t>
+              <a:t>‹#›</a:t>
             </a:fld>
             <a:endParaRPr lang="de-DE"/>
           </a:p>
@@ -2218,7 +2219,7 @@
           <a:p>
             <a:fld id="{24884690-A043-4FCB-87D3-F17411ACC32B}" type="datetimeFigureOut">
               <a:rPr lang="de-DE" smtClean="0"/>
-              <a:t>24.11.2023</a:t>
+              <a:t>16.12.2023</a:t>
             </a:fld>
             <a:endParaRPr lang="de-DE"/>
           </a:p>
@@ -2272,7 +2273,7 @@
           <a:p>
             <a:fld id="{DE761232-3D0D-4A23-A9E3-8D8407EC4F9D}" type="slidenum">
               <a:rPr lang="de-DE" smtClean="0"/>
-              <a:t>‹Nr.›</a:t>
+              <a:t>‹#›</a:t>
             </a:fld>
             <a:endParaRPr lang="de-DE"/>
           </a:p>
@@ -2359,7 +2360,7 @@
           <a:p>
             <a:fld id="{24884690-A043-4FCB-87D3-F17411ACC32B}" type="datetimeFigureOut">
               <a:rPr lang="de-DE" smtClean="0"/>
-              <a:t>24.11.2023</a:t>
+              <a:t>16.12.2023</a:t>
             </a:fld>
             <a:endParaRPr lang="de-DE"/>
           </a:p>
@@ -2413,7 +2414,7 @@
           <a:p>
             <a:fld id="{DE761232-3D0D-4A23-A9E3-8D8407EC4F9D}" type="slidenum">
               <a:rPr lang="de-DE" smtClean="0"/>
-              <a:t>‹Nr.›</a:t>
+              <a:t>‹#›</a:t>
             </a:fld>
             <a:endParaRPr lang="de-DE"/>
           </a:p>
@@ -2472,7 +2473,7 @@
           <a:p>
             <a:fld id="{24884690-A043-4FCB-87D3-F17411ACC32B}" type="datetimeFigureOut">
               <a:rPr lang="de-DE" smtClean="0"/>
-              <a:t>24.11.2023</a:t>
+              <a:t>16.12.2023</a:t>
             </a:fld>
             <a:endParaRPr lang="de-DE"/>
           </a:p>
@@ -2526,7 +2527,7 @@
           <a:p>
             <a:fld id="{DE761232-3D0D-4A23-A9E3-8D8407EC4F9D}" type="slidenum">
               <a:rPr lang="de-DE" smtClean="0"/>
-              <a:t>‹Nr.›</a:t>
+              <a:t>‹#›</a:t>
             </a:fld>
             <a:endParaRPr lang="de-DE"/>
           </a:p>
@@ -2783,7 +2784,7 @@
           <a:p>
             <a:fld id="{24884690-A043-4FCB-87D3-F17411ACC32B}" type="datetimeFigureOut">
               <a:rPr lang="de-DE" smtClean="0"/>
-              <a:t>24.11.2023</a:t>
+              <a:t>16.12.2023</a:t>
             </a:fld>
             <a:endParaRPr lang="de-DE"/>
           </a:p>
@@ -2837,7 +2838,7 @@
           <a:p>
             <a:fld id="{DE761232-3D0D-4A23-A9E3-8D8407EC4F9D}" type="slidenum">
               <a:rPr lang="de-DE" smtClean="0"/>
-              <a:t>‹Nr.›</a:t>
+              <a:t>‹#›</a:t>
             </a:fld>
             <a:endParaRPr lang="de-DE"/>
           </a:p>
@@ -3071,7 +3072,7 @@
           <a:p>
             <a:fld id="{24884690-A043-4FCB-87D3-F17411ACC32B}" type="datetimeFigureOut">
               <a:rPr lang="de-DE" smtClean="0"/>
-              <a:t>24.11.2023</a:t>
+              <a:t>16.12.2023</a:t>
             </a:fld>
             <a:endParaRPr lang="de-DE"/>
           </a:p>
@@ -3125,7 +3126,7 @@
           <a:p>
             <a:fld id="{DE761232-3D0D-4A23-A9E3-8D8407EC4F9D}" type="slidenum">
               <a:rPr lang="de-DE" smtClean="0"/>
-              <a:t>‹Nr.›</a:t>
+              <a:t>‹#›</a:t>
             </a:fld>
             <a:endParaRPr lang="de-DE"/>
           </a:p>
@@ -3312,7 +3313,7 @@
           <a:p>
             <a:fld id="{24884690-A043-4FCB-87D3-F17411ACC32B}" type="datetimeFigureOut">
               <a:rPr lang="de-DE" smtClean="0"/>
-              <a:t>24.11.2023</a:t>
+              <a:t>16.12.2023</a:t>
             </a:fld>
             <a:endParaRPr lang="de-DE"/>
           </a:p>
@@ -3402,7 +3403,7 @@
           <a:p>
             <a:fld id="{DE761232-3D0D-4A23-A9E3-8D8407EC4F9D}" type="slidenum">
               <a:rPr lang="de-DE" smtClean="0"/>
-              <a:t>‹Nr.›</a:t>
+              <a:t>‹#›</a:t>
             </a:fld>
             <a:endParaRPr lang="de-DE"/>
           </a:p>
@@ -3837,6 +3838,518 @@
 </file>
 
 <file path=ppt/slides/slide10.xml><?xml version="1.0" encoding="utf-8"?>
+<p:sld xmlns:a="http://schemas.openxmlformats.org/drawingml/2006/main" xmlns:r="http://schemas.openxmlformats.org/officeDocument/2006/relationships" xmlns:p="http://schemas.openxmlformats.org/presentationml/2006/main">
+  <p:cSld>
+    <p:spTree>
+      <p:nvGrpSpPr>
+        <p:cNvPr id="1" name=""/>
+        <p:cNvGrpSpPr/>
+        <p:nvPr/>
+      </p:nvGrpSpPr>
+      <p:grpSpPr>
+        <a:xfrm>
+          <a:off x="0" y="0"/>
+          <a:ext cx="0" cy="0"/>
+          <a:chOff x="0" y="0"/>
+          <a:chExt cx="0" cy="0"/>
+        </a:xfrm>
+      </p:grpSpPr>
+      <p:sp>
+        <p:nvSpPr>
+          <p:cNvPr id="21" name="Rectangle 20">
+            <a:extLst>
+              <a:ext uri="{FF2B5EF4-FFF2-40B4-BE49-F238E27FC236}">
+                <a16:creationId xmlns:a16="http://schemas.microsoft.com/office/drawing/2014/main" id="{78973FEE-E459-F0D1-3293-4095DA05E418}"/>
+              </a:ext>
+            </a:extLst>
+          </p:cNvPr>
+          <p:cNvSpPr/>
+          <p:nvPr/>
+        </p:nvSpPr>
+        <p:spPr>
+          <a:xfrm>
+            <a:off x="2540059" y="1624136"/>
+            <a:ext cx="6899524" cy="3685658"/>
+          </a:xfrm>
+          <a:prstGeom prst="rect">
+            <a:avLst/>
+          </a:prstGeom>
+          <a:noFill/>
+          <a:ln>
+            <a:noFill/>
+          </a:ln>
+        </p:spPr>
+        <p:style>
+          <a:lnRef idx="2">
+            <a:schemeClr val="accent1">
+              <a:shade val="15000"/>
+            </a:schemeClr>
+          </a:lnRef>
+          <a:fillRef idx="1">
+            <a:schemeClr val="accent1"/>
+          </a:fillRef>
+          <a:effectRef idx="0">
+            <a:schemeClr val="accent1"/>
+          </a:effectRef>
+          <a:fontRef idx="minor">
+            <a:schemeClr val="lt1"/>
+          </a:fontRef>
+        </p:style>
+        <p:txBody>
+          <a:bodyPr rtlCol="0" anchor="ctr"/>
+          <a:lstStyle/>
+          <a:p>
+            <a:pPr algn="ctr"/>
+            <a:endParaRPr lang="de-DE"/>
+          </a:p>
+        </p:txBody>
+      </p:sp>
+      <p:pic>
+        <p:nvPicPr>
+          <p:cNvPr id="4" name="Picture 3" descr="A blue and green gradient&#10;&#10;Description automatically generated">
+            <a:extLst>
+              <a:ext uri="{FF2B5EF4-FFF2-40B4-BE49-F238E27FC236}">
+                <a16:creationId xmlns:a16="http://schemas.microsoft.com/office/drawing/2014/main" id="{389B4493-8528-3712-6CE1-E1360559F4EF}"/>
+              </a:ext>
+            </a:extLst>
+          </p:cNvPr>
+          <p:cNvPicPr>
+            <a:picLocks noChangeAspect="1"/>
+          </p:cNvPicPr>
+          <p:nvPr/>
+        </p:nvPicPr>
+        <p:blipFill>
+          <a:blip r:embed="rId2">
+            <a:extLst>
+              <a:ext uri="{28A0092B-C50C-407E-A947-70E740481C1C}">
+                <a14:useLocalDpi xmlns:a14="http://schemas.microsoft.com/office/drawing/2010/main" val="0"/>
+              </a:ext>
+            </a:extLst>
+          </a:blip>
+          <a:stretch>
+            <a:fillRect/>
+          </a:stretch>
+        </p:blipFill>
+        <p:spPr>
+          <a:xfrm>
+            <a:off x="4795577" y="1624136"/>
+            <a:ext cx="2325602" cy="1162801"/>
+          </a:xfrm>
+          <a:prstGeom prst="rect">
+            <a:avLst/>
+          </a:prstGeom>
+        </p:spPr>
+      </p:pic>
+      <p:pic>
+        <p:nvPicPr>
+          <p:cNvPr id="6" name="Picture 5" descr="A screenshot of a computer&#10;&#10;Description automatically generated">
+            <a:extLst>
+              <a:ext uri="{FF2B5EF4-FFF2-40B4-BE49-F238E27FC236}">
+                <a16:creationId xmlns:a16="http://schemas.microsoft.com/office/drawing/2014/main" id="{0981A591-B1B0-1F8F-B19B-3B2AE5A275A1}"/>
+              </a:ext>
+            </a:extLst>
+          </p:cNvPr>
+          <p:cNvPicPr>
+            <a:picLocks noChangeAspect="1"/>
+          </p:cNvPicPr>
+          <p:nvPr/>
+        </p:nvPicPr>
+        <p:blipFill>
+          <a:blip r:embed="rId3">
+            <a:extLst>
+              <a:ext uri="{28A0092B-C50C-407E-A947-70E740481C1C}">
+                <a14:useLocalDpi xmlns:a14="http://schemas.microsoft.com/office/drawing/2010/main" val="0"/>
+              </a:ext>
+            </a:extLst>
+          </a:blip>
+          <a:stretch>
+            <a:fillRect/>
+          </a:stretch>
+        </p:blipFill>
+        <p:spPr>
+          <a:xfrm>
+            <a:off x="7392576" y="3430937"/>
+            <a:ext cx="2032614" cy="1544356"/>
+          </a:xfrm>
+          <a:prstGeom prst="rect">
+            <a:avLst/>
+          </a:prstGeom>
+        </p:spPr>
+      </p:pic>
+      <p:pic>
+        <p:nvPicPr>
+          <p:cNvPr id="8" name="Picture 7" descr="A group of kittens in grass&#10;&#10;Description automatically generated">
+            <a:extLst>
+              <a:ext uri="{FF2B5EF4-FFF2-40B4-BE49-F238E27FC236}">
+                <a16:creationId xmlns:a16="http://schemas.microsoft.com/office/drawing/2014/main" id="{AF86F4F0-6FFB-7443-DBEE-AA477D7E7387}"/>
+              </a:ext>
+            </a:extLst>
+          </p:cNvPr>
+          <p:cNvPicPr>
+            <a:picLocks noChangeAspect="1"/>
+          </p:cNvPicPr>
+          <p:nvPr/>
+        </p:nvPicPr>
+        <p:blipFill>
+          <a:blip r:embed="rId4">
+            <a:extLst>
+              <a:ext uri="{28A0092B-C50C-407E-A947-70E740481C1C}">
+                <a14:useLocalDpi xmlns:a14="http://schemas.microsoft.com/office/drawing/2010/main" val="0"/>
+              </a:ext>
+            </a:extLst>
+          </a:blip>
+          <a:stretch>
+            <a:fillRect/>
+          </a:stretch>
+        </p:blipFill>
+        <p:spPr>
+          <a:xfrm>
+            <a:off x="4485258" y="3507738"/>
+            <a:ext cx="2622840" cy="1465046"/>
+          </a:xfrm>
+          <a:prstGeom prst="rect">
+            <a:avLst/>
+          </a:prstGeom>
+        </p:spPr>
+      </p:pic>
+      <p:pic>
+        <p:nvPicPr>
+          <p:cNvPr id="10" name="Picture 9" descr="A blurry background of a colorful gradient&#10;&#10;Description automatically generated">
+            <a:extLst>
+              <a:ext uri="{FF2B5EF4-FFF2-40B4-BE49-F238E27FC236}">
+                <a16:creationId xmlns:a16="http://schemas.microsoft.com/office/drawing/2014/main" id="{D318BBE3-0816-0B8D-18AE-ACC6174A217B}"/>
+              </a:ext>
+            </a:extLst>
+          </p:cNvPr>
+          <p:cNvPicPr>
+            <a:picLocks noChangeAspect="1"/>
+          </p:cNvPicPr>
+          <p:nvPr/>
+        </p:nvPicPr>
+        <p:blipFill>
+          <a:blip r:embed="rId5">
+            <a:extLst>
+              <a:ext uri="{28A0092B-C50C-407E-A947-70E740481C1C}">
+                <a14:useLocalDpi xmlns:a14="http://schemas.microsoft.com/office/drawing/2010/main" val="0"/>
+              </a:ext>
+            </a:extLst>
+          </a:blip>
+          <a:stretch>
+            <a:fillRect/>
+          </a:stretch>
+        </p:blipFill>
+        <p:spPr>
+          <a:xfrm>
+            <a:off x="7407642" y="1627453"/>
+            <a:ext cx="2031941" cy="1160761"/>
+          </a:xfrm>
+          <a:prstGeom prst="rect">
+            <a:avLst/>
+          </a:prstGeom>
+        </p:spPr>
+      </p:pic>
+      <p:pic>
+        <p:nvPicPr>
+          <p:cNvPr id="12" name="Picture 11" descr="A red yellow and black flag&#10;&#10;Description automatically generated">
+            <a:extLst>
+              <a:ext uri="{FF2B5EF4-FFF2-40B4-BE49-F238E27FC236}">
+                <a16:creationId xmlns:a16="http://schemas.microsoft.com/office/drawing/2014/main" id="{8BFF7522-14B6-3401-5A13-BE705A02409B}"/>
+              </a:ext>
+            </a:extLst>
+          </p:cNvPr>
+          <p:cNvPicPr>
+            <a:picLocks noChangeAspect="1"/>
+          </p:cNvPicPr>
+          <p:nvPr/>
+        </p:nvPicPr>
+        <p:blipFill>
+          <a:blip r:embed="rId6">
+            <a:extLst>
+              <a:ext uri="{28A0092B-C50C-407E-A947-70E740481C1C}">
+                <a14:useLocalDpi xmlns:a14="http://schemas.microsoft.com/office/drawing/2010/main" val="0"/>
+              </a:ext>
+            </a:extLst>
+          </a:blip>
+          <a:stretch>
+            <a:fillRect/>
+          </a:stretch>
+        </p:blipFill>
+        <p:spPr>
+          <a:xfrm>
+            <a:off x="2547256" y="1624136"/>
+            <a:ext cx="1938002" cy="1162801"/>
+          </a:xfrm>
+          <a:prstGeom prst="rect">
+            <a:avLst/>
+          </a:prstGeom>
+        </p:spPr>
+      </p:pic>
+      <p:pic>
+        <p:nvPicPr>
+          <p:cNvPr id="14" name="Picture 13" descr="A person wearing a hat&#10;&#10;Description automatically generated">
+            <a:extLst>
+              <a:ext uri="{FF2B5EF4-FFF2-40B4-BE49-F238E27FC236}">
+                <a16:creationId xmlns:a16="http://schemas.microsoft.com/office/drawing/2014/main" id="{4422CA52-7A8C-D43B-05C8-43B1056CCC7B}"/>
+              </a:ext>
+            </a:extLst>
+          </p:cNvPr>
+          <p:cNvPicPr>
+            <a:picLocks noChangeAspect="1"/>
+          </p:cNvPicPr>
+          <p:nvPr/>
+        </p:nvPicPr>
+        <p:blipFill>
+          <a:blip r:embed="rId7">
+            <a:extLst>
+              <a:ext uri="{28A0092B-C50C-407E-A947-70E740481C1C}">
+                <a14:useLocalDpi xmlns:a14="http://schemas.microsoft.com/office/drawing/2010/main" val="0"/>
+              </a:ext>
+            </a:extLst>
+          </a:blip>
+          <a:stretch>
+            <a:fillRect/>
+          </a:stretch>
+        </p:blipFill>
+        <p:spPr>
+          <a:xfrm>
+            <a:off x="2540059" y="3310000"/>
+            <a:ext cx="1665292" cy="1665292"/>
+          </a:xfrm>
+          <a:prstGeom prst="rect">
+            <a:avLst/>
+          </a:prstGeom>
+        </p:spPr>
+      </p:pic>
+      <p:sp>
+        <p:nvSpPr>
+          <p:cNvPr id="15" name="TextBox 14">
+            <a:extLst>
+              <a:ext uri="{FF2B5EF4-FFF2-40B4-BE49-F238E27FC236}">
+                <a16:creationId xmlns:a16="http://schemas.microsoft.com/office/drawing/2014/main" id="{0AD2C269-F26E-FE57-F3ED-1BAF4DAA15B3}"/>
+              </a:ext>
+            </a:extLst>
+          </p:cNvPr>
+          <p:cNvSpPr txBox="1"/>
+          <p:nvPr/>
+        </p:nvSpPr>
+        <p:spPr>
+          <a:xfrm>
+            <a:off x="2543398" y="2786937"/>
+            <a:ext cx="1945199" cy="338554"/>
+          </a:xfrm>
+          <a:prstGeom prst="rect">
+            <a:avLst/>
+          </a:prstGeom>
+          <a:noFill/>
+        </p:spPr>
+        <p:txBody>
+          <a:bodyPr wrap="square" rtlCol="0">
+            <a:spAutoFit/>
+          </a:bodyPr>
+          <a:lstStyle/>
+          <a:p>
+            <a:pPr algn="ctr"/>
+            <a:r>
+              <a:rPr lang="de-DE" sz="1600" dirty="0"/>
+              <a:t>Flagge (290, 174)</a:t>
+            </a:r>
+          </a:p>
+        </p:txBody>
+      </p:sp>
+      <p:sp>
+        <p:nvSpPr>
+          <p:cNvPr id="16" name="TextBox 15">
+            <a:extLst>
+              <a:ext uri="{FF2B5EF4-FFF2-40B4-BE49-F238E27FC236}">
+                <a16:creationId xmlns:a16="http://schemas.microsoft.com/office/drawing/2014/main" id="{DAFF7C9A-8B19-F3C6-6434-3C4A7C11F7FA}"/>
+              </a:ext>
+            </a:extLst>
+          </p:cNvPr>
+          <p:cNvSpPr txBox="1"/>
+          <p:nvPr/>
+        </p:nvSpPr>
+        <p:spPr>
+          <a:xfrm>
+            <a:off x="4798915" y="2786937"/>
+            <a:ext cx="2325601" cy="338554"/>
+          </a:xfrm>
+          <a:prstGeom prst="rect">
+            <a:avLst/>
+          </a:prstGeom>
+          <a:noFill/>
+        </p:spPr>
+        <p:txBody>
+          <a:bodyPr wrap="square" rtlCol="0">
+            <a:spAutoFit/>
+          </a:bodyPr>
+          <a:lstStyle/>
+          <a:p>
+            <a:pPr algn="ctr"/>
+            <a:r>
+              <a:rPr lang="de-DE" sz="1600" dirty="0"/>
+              <a:t>Fade 1 (318, 159)</a:t>
+            </a:r>
+          </a:p>
+        </p:txBody>
+      </p:sp>
+      <p:sp>
+        <p:nvSpPr>
+          <p:cNvPr id="17" name="TextBox 16">
+            <a:extLst>
+              <a:ext uri="{FF2B5EF4-FFF2-40B4-BE49-F238E27FC236}">
+                <a16:creationId xmlns:a16="http://schemas.microsoft.com/office/drawing/2014/main" id="{0F99B885-C3D1-91B3-8E21-21AA1DD9883D}"/>
+              </a:ext>
+            </a:extLst>
+          </p:cNvPr>
+          <p:cNvSpPr txBox="1"/>
+          <p:nvPr/>
+        </p:nvSpPr>
+        <p:spPr>
+          <a:xfrm>
+            <a:off x="7403112" y="2786937"/>
+            <a:ext cx="2039810" cy="338554"/>
+          </a:xfrm>
+          <a:prstGeom prst="rect">
+            <a:avLst/>
+          </a:prstGeom>
+          <a:noFill/>
+        </p:spPr>
+        <p:txBody>
+          <a:bodyPr wrap="square" rtlCol="0">
+            <a:spAutoFit/>
+          </a:bodyPr>
+          <a:lstStyle/>
+          <a:p>
+            <a:pPr algn="ctr"/>
+            <a:r>
+              <a:rPr lang="de-DE" sz="1600" dirty="0"/>
+              <a:t>Fade 2 (1670, 954)</a:t>
+            </a:r>
+          </a:p>
+        </p:txBody>
+      </p:sp>
+      <p:sp>
+        <p:nvSpPr>
+          <p:cNvPr id="18" name="TextBox 17">
+            <a:extLst>
+              <a:ext uri="{FF2B5EF4-FFF2-40B4-BE49-F238E27FC236}">
+                <a16:creationId xmlns:a16="http://schemas.microsoft.com/office/drawing/2014/main" id="{BD24A87B-BD37-CCE9-4EA7-658D2003F1EC}"/>
+              </a:ext>
+            </a:extLst>
+          </p:cNvPr>
+          <p:cNvSpPr txBox="1"/>
+          <p:nvPr/>
+        </p:nvSpPr>
+        <p:spPr>
+          <a:xfrm>
+            <a:off x="2540059" y="4972784"/>
+            <a:ext cx="1665292" cy="338554"/>
+          </a:xfrm>
+          <a:prstGeom prst="rect">
+            <a:avLst/>
+          </a:prstGeom>
+          <a:noFill/>
+        </p:spPr>
+        <p:txBody>
+          <a:bodyPr wrap="square" rtlCol="0">
+            <a:spAutoFit/>
+          </a:bodyPr>
+          <a:lstStyle/>
+          <a:p>
+            <a:pPr algn="ctr"/>
+            <a:r>
+              <a:rPr lang="de-DE" sz="1600" dirty="0"/>
+              <a:t>Frau (512, 512)</a:t>
+            </a:r>
+          </a:p>
+        </p:txBody>
+      </p:sp>
+      <p:sp>
+        <p:nvSpPr>
+          <p:cNvPr id="19" name="TextBox 18">
+            <a:extLst>
+              <a:ext uri="{FF2B5EF4-FFF2-40B4-BE49-F238E27FC236}">
+                <a16:creationId xmlns:a16="http://schemas.microsoft.com/office/drawing/2014/main" id="{7CC94B5D-4127-223B-9758-005B989BA511}"/>
+              </a:ext>
+            </a:extLst>
+          </p:cNvPr>
+          <p:cNvSpPr txBox="1"/>
+          <p:nvPr/>
+        </p:nvSpPr>
+        <p:spPr>
+          <a:xfrm>
+            <a:off x="4485258" y="4972784"/>
+            <a:ext cx="2622840" cy="338554"/>
+          </a:xfrm>
+          <a:prstGeom prst="rect">
+            <a:avLst/>
+          </a:prstGeom>
+          <a:noFill/>
+        </p:spPr>
+        <p:txBody>
+          <a:bodyPr wrap="square" rtlCol="0">
+            <a:spAutoFit/>
+          </a:bodyPr>
+          <a:lstStyle/>
+          <a:p>
+            <a:pPr algn="ctr"/>
+            <a:r>
+              <a:rPr lang="de-DE" sz="1600" dirty="0"/>
+              <a:t>Katzen (1289, 720)</a:t>
+            </a:r>
+          </a:p>
+        </p:txBody>
+      </p:sp>
+      <p:sp>
+        <p:nvSpPr>
+          <p:cNvPr id="20" name="TextBox 19">
+            <a:extLst>
+              <a:ext uri="{FF2B5EF4-FFF2-40B4-BE49-F238E27FC236}">
+                <a16:creationId xmlns:a16="http://schemas.microsoft.com/office/drawing/2014/main" id="{C20AA44D-91E2-DDC9-1661-57D1144691AD}"/>
+              </a:ext>
+            </a:extLst>
+          </p:cNvPr>
+          <p:cNvSpPr txBox="1"/>
+          <p:nvPr/>
+        </p:nvSpPr>
+        <p:spPr>
+          <a:xfrm>
+            <a:off x="7388005" y="4971240"/>
+            <a:ext cx="2032614" cy="338554"/>
+          </a:xfrm>
+          <a:prstGeom prst="rect">
+            <a:avLst/>
+          </a:prstGeom>
+          <a:noFill/>
+        </p:spPr>
+        <p:txBody>
+          <a:bodyPr wrap="square" rtlCol="0">
+            <a:spAutoFit/>
+          </a:bodyPr>
+          <a:lstStyle/>
+          <a:p>
+            <a:pPr algn="ctr"/>
+            <a:r>
+              <a:rPr lang="de-DE" sz="1600" dirty="0"/>
+              <a:t>Folie (945, 718)</a:t>
+            </a:r>
+          </a:p>
+        </p:txBody>
+      </p:sp>
+    </p:spTree>
+    <p:extLst>
+      <p:ext uri="{BB962C8B-B14F-4D97-AF65-F5344CB8AC3E}">
+        <p14:creationId xmlns:p14="http://schemas.microsoft.com/office/powerpoint/2010/main" val="2187008179"/>
+      </p:ext>
+    </p:extLst>
+  </p:cSld>
+  <p:clrMapOvr>
+    <a:masterClrMapping/>
+  </p:clrMapOvr>
+</p:sld>
+</file>
+
+<file path=ppt/slides/slide11.xml><?xml version="1.0" encoding="utf-8"?>
 <p:sld xmlns:a="http://schemas.openxmlformats.org/drawingml/2006/main" xmlns:r="http://schemas.openxmlformats.org/officeDocument/2006/relationships" xmlns:p="http://schemas.openxmlformats.org/presentationml/2006/main" show="0">
   <p:cSld>
     <p:spTree>
@@ -4611,7 +5124,7 @@
 </p:sld>
 </file>
 
-<file path=ppt/slides/slide11.xml><?xml version="1.0" encoding="utf-8"?>
+<file path=ppt/slides/slide12.xml><?xml version="1.0" encoding="utf-8"?>
 <p:sld xmlns:a="http://schemas.openxmlformats.org/drawingml/2006/main" xmlns:r="http://schemas.openxmlformats.org/officeDocument/2006/relationships" xmlns:p="http://schemas.openxmlformats.org/presentationml/2006/main" show="0">
   <p:cSld>
     <p:spTree>
@@ -5413,7 +5926,7 @@
 </p:sld>
 </file>
 
-<file path=ppt/slides/slide12.xml><?xml version="1.0" encoding="utf-8"?>
+<file path=ppt/slides/slide13.xml><?xml version="1.0" encoding="utf-8"?>
 <p:sld xmlns:a="http://schemas.openxmlformats.org/drawingml/2006/main" xmlns:r="http://schemas.openxmlformats.org/officeDocument/2006/relationships" xmlns:p="http://schemas.openxmlformats.org/presentationml/2006/main" show="0">
   <p:cSld>
     <p:spTree>
@@ -6163,7 +6676,7 @@
 </p:sld>
 </file>
 
-<file path=ppt/slides/slide13.xml><?xml version="1.0" encoding="utf-8"?>
+<file path=ppt/slides/slide14.xml><?xml version="1.0" encoding="utf-8"?>
 <p:sld xmlns:a="http://schemas.openxmlformats.org/drawingml/2006/main" xmlns:r="http://schemas.openxmlformats.org/officeDocument/2006/relationships" xmlns:p="http://schemas.openxmlformats.org/presentationml/2006/main" show="0">
   <p:cSld>
     <p:spTree>
@@ -6477,7 +6990,7 @@
 </p:sld>
 </file>
 
-<file path=ppt/slides/slide14.xml><?xml version="1.0" encoding="utf-8"?>
+<file path=ppt/slides/slide15.xml><?xml version="1.0" encoding="utf-8"?>
 <p:sld xmlns:a="http://schemas.openxmlformats.org/drawingml/2006/main" xmlns:r="http://schemas.openxmlformats.org/officeDocument/2006/relationships" xmlns:p="http://schemas.openxmlformats.org/presentationml/2006/main" show="0">
   <p:cSld>
     <p:spTree>
